--- a/doc/design.pptx
+++ b/doc/design.pptx
@@ -13391,9 +13391,126 @@
   <p:timing>
     <p:tnLst>
       <p:par>
-        <p:cTn id="1" dur="indefinite" restart="never" nodeType="tmRoot"/>
+        <p:cTn id="1" dur="indefinite" restart="never" nodeType="tmRoot">
+          <p:childTnLst>
+            <p:seq concurrent="1" nextAc="seek">
+              <p:cTn id="2" dur="indefinite" nodeType="mainSeq">
+                <p:childTnLst>
+                  <p:par>
+                    <p:cTn id="3" fill="hold">
+                      <p:stCondLst>
+                        <p:cond delay="indefinite"/>
+                      </p:stCondLst>
+                      <p:childTnLst>
+                        <p:par>
+                          <p:cTn id="4" fill="hold">
+                            <p:stCondLst>
+                              <p:cond delay="0"/>
+                            </p:stCondLst>
+                            <p:childTnLst>
+                              <p:par>
+                                <p:cTn id="5" presetID="2" presetClass="entr" presetSubtype="4" fill="hold" grpId="0" nodeType="clickEffect">
+                                  <p:stCondLst>
+                                    <p:cond delay="0"/>
+                                  </p:stCondLst>
+                                  <p:childTnLst>
+                                    <p:set>
+                                      <p:cBhvr>
+                                        <p:cTn id="6" dur="1" fill="hold">
+                                          <p:stCondLst>
+                                            <p:cond delay="0"/>
+                                          </p:stCondLst>
+                                        </p:cTn>
+                                        <p:tgtEl>
+                                          <p:spTgt spid="92"/>
+                                        </p:tgtEl>
+                                        <p:attrNameLst>
+                                          <p:attrName>style.visibility</p:attrName>
+                                        </p:attrNameLst>
+                                      </p:cBhvr>
+                                      <p:to>
+                                        <p:strVal val="visible"/>
+                                      </p:to>
+                                    </p:set>
+                                    <p:anim calcmode="lin" valueType="num">
+                                      <p:cBhvr additive="base">
+                                        <p:cTn id="7" dur="500" fill="hold"/>
+                                        <p:tgtEl>
+                                          <p:spTgt spid="92"/>
+                                        </p:tgtEl>
+                                        <p:attrNameLst>
+                                          <p:attrName>ppt_x</p:attrName>
+                                        </p:attrNameLst>
+                                      </p:cBhvr>
+                                      <p:tavLst>
+                                        <p:tav tm="0">
+                                          <p:val>
+                                            <p:strVal val="#ppt_x"/>
+                                          </p:val>
+                                        </p:tav>
+                                        <p:tav tm="100000">
+                                          <p:val>
+                                            <p:strVal val="#ppt_x"/>
+                                          </p:val>
+                                        </p:tav>
+                                      </p:tavLst>
+                                    </p:anim>
+                                    <p:anim calcmode="lin" valueType="num">
+                                      <p:cBhvr additive="base">
+                                        <p:cTn id="8" dur="500" fill="hold"/>
+                                        <p:tgtEl>
+                                          <p:spTgt spid="92"/>
+                                        </p:tgtEl>
+                                        <p:attrNameLst>
+                                          <p:attrName>ppt_y</p:attrName>
+                                        </p:attrNameLst>
+                                      </p:cBhvr>
+                                      <p:tavLst>
+                                        <p:tav tm="0">
+                                          <p:val>
+                                            <p:strVal val="1+#ppt_h/2"/>
+                                          </p:val>
+                                        </p:tav>
+                                        <p:tav tm="100000">
+                                          <p:val>
+                                            <p:strVal val="#ppt_y"/>
+                                          </p:val>
+                                        </p:tav>
+                                      </p:tavLst>
+                                    </p:anim>
+                                  </p:childTnLst>
+                                </p:cTn>
+                              </p:par>
+                            </p:childTnLst>
+                          </p:cTn>
+                        </p:par>
+                      </p:childTnLst>
+                    </p:cTn>
+                  </p:par>
+                </p:childTnLst>
+              </p:cTn>
+              <p:prevCondLst>
+                <p:cond evt="onPrev" delay="0">
+                  <p:tgtEl>
+                    <p:sldTgt/>
+                  </p:tgtEl>
+                </p:cond>
+              </p:prevCondLst>
+              <p:nextCondLst>
+                <p:cond evt="onNext" delay="0">
+                  <p:tgtEl>
+                    <p:sldTgt/>
+                  </p:tgtEl>
+                </p:cond>
+              </p:nextCondLst>
+            </p:seq>
+          </p:childTnLst>
+        </p:cTn>
       </p:par>
     </p:tnLst>
+    <p:bldLst>
+      <p:bldP spid="92" grpId="0" animBg="1"/>
+    </p:bldLst>
   </p:timing>
 </p:sld>
 </file>

--- a/doc/design.pptx
+++ b/doc/design.pptx
@@ -294,7 +294,7 @@
           <a:p>
             <a:fld id="{F9B7FF9E-3665-1A47-AC2D-5E17982E9739}" type="datetimeFigureOut">
               <a:rPr kumimoji="1" lang="zh-CN" altLang="en-US" smtClean="0"/>
-              <a:t>2013/5/28</a:t>
+              <a:t>2013/6/5</a:t>
             </a:fld>
             <a:endParaRPr kumimoji="1" lang="zh-CN" altLang="en-US"/>
           </a:p>
@@ -464,7 +464,7 @@
           <a:p>
             <a:fld id="{F9B7FF9E-3665-1A47-AC2D-5E17982E9739}" type="datetimeFigureOut">
               <a:rPr kumimoji="1" lang="zh-CN" altLang="en-US" smtClean="0"/>
-              <a:t>2013/5/28</a:t>
+              <a:t>2013/6/5</a:t>
             </a:fld>
             <a:endParaRPr kumimoji="1" lang="zh-CN" altLang="en-US"/>
           </a:p>
@@ -644,7 +644,7 @@
           <a:p>
             <a:fld id="{F9B7FF9E-3665-1A47-AC2D-5E17982E9739}" type="datetimeFigureOut">
               <a:rPr kumimoji="1" lang="zh-CN" altLang="en-US" smtClean="0"/>
-              <a:t>2013/5/28</a:t>
+              <a:t>2013/6/5</a:t>
             </a:fld>
             <a:endParaRPr kumimoji="1" lang="zh-CN" altLang="en-US"/>
           </a:p>
@@ -893,7 +893,7 @@
                 </a:solidFill>
               </a:rPr>
               <a:pPr/>
-              <a:t>2013/5/28</a:t>
+              <a:t>2013/6/5</a:t>
             </a:fld>
             <a:endParaRPr lang="zh-CN" altLang="en-US">
               <a:solidFill>
@@ -1095,7 +1095,7 @@
                 </a:solidFill>
               </a:rPr>
               <a:pPr/>
-              <a:t>2013/5/28</a:t>
+              <a:t>2013/6/5</a:t>
             </a:fld>
             <a:endParaRPr lang="zh-CN" altLang="en-US">
               <a:solidFill>
@@ -1373,7 +1373,7 @@
                 </a:solidFill>
               </a:rPr>
               <a:pPr/>
-              <a:t>2013/5/28</a:t>
+              <a:t>2013/6/5</a:t>
             </a:fld>
             <a:endParaRPr lang="zh-CN" altLang="en-US">
               <a:solidFill>
@@ -1693,7 +1693,7 @@
                 </a:solidFill>
               </a:rPr>
               <a:pPr/>
-              <a:t>2013/5/28</a:t>
+              <a:t>2013/6/5</a:t>
             </a:fld>
             <a:endParaRPr lang="zh-CN" altLang="en-US">
               <a:solidFill>
@@ -2147,7 +2147,7 @@
                 </a:solidFill>
               </a:rPr>
               <a:pPr/>
-              <a:t>2013/5/28</a:t>
+              <a:t>2013/6/5</a:t>
             </a:fld>
             <a:endParaRPr lang="zh-CN" altLang="en-US">
               <a:solidFill>
@@ -2297,7 +2297,7 @@
                 </a:solidFill>
               </a:rPr>
               <a:pPr/>
-              <a:t>2013/5/28</a:t>
+              <a:t>2013/6/5</a:t>
             </a:fld>
             <a:endParaRPr lang="zh-CN" altLang="en-US">
               <a:solidFill>
@@ -2424,7 +2424,7 @@
                 </a:solidFill>
               </a:rPr>
               <a:pPr/>
-              <a:t>2013/5/28</a:t>
+              <a:t>2013/6/5</a:t>
             </a:fld>
             <a:endParaRPr lang="zh-CN" altLang="en-US">
               <a:solidFill>
@@ -2733,7 +2733,7 @@
                 </a:solidFill>
               </a:rPr>
               <a:pPr/>
-              <a:t>2013/5/28</a:t>
+              <a:t>2013/6/5</a:t>
             </a:fld>
             <a:endParaRPr lang="zh-CN" altLang="en-US">
               <a:solidFill>
@@ -2928,7 +2928,7 @@
           <a:p>
             <a:fld id="{F9B7FF9E-3665-1A47-AC2D-5E17982E9739}" type="datetimeFigureOut">
               <a:rPr kumimoji="1" lang="zh-CN" altLang="en-US" smtClean="0"/>
-              <a:t>2013/5/28</a:t>
+              <a:t>2013/6/5</a:t>
             </a:fld>
             <a:endParaRPr kumimoji="1" lang="zh-CN" altLang="en-US"/>
           </a:p>
@@ -3188,7 +3188,7 @@
                 </a:solidFill>
               </a:rPr>
               <a:pPr/>
-              <a:t>2013/5/28</a:t>
+              <a:t>2013/6/5</a:t>
             </a:fld>
             <a:endParaRPr lang="zh-CN" altLang="en-US">
               <a:solidFill>
@@ -3390,7 +3390,7 @@
                 </a:solidFill>
               </a:rPr>
               <a:pPr/>
-              <a:t>2013/5/28</a:t>
+              <a:t>2013/6/5</a:t>
             </a:fld>
             <a:endParaRPr lang="zh-CN" altLang="en-US">
               <a:solidFill>
@@ -3602,7 +3602,7 @@
                 </a:solidFill>
               </a:rPr>
               <a:pPr/>
-              <a:t>2013/5/28</a:t>
+              <a:t>2013/6/5</a:t>
             </a:fld>
             <a:endParaRPr lang="zh-CN" altLang="en-US">
               <a:solidFill>
@@ -3873,7 +3873,7 @@
           <a:p>
             <a:fld id="{F9B7FF9E-3665-1A47-AC2D-5E17982E9739}" type="datetimeFigureOut">
               <a:rPr kumimoji="1" lang="zh-CN" altLang="en-US" smtClean="0"/>
-              <a:t>2013/5/28</a:t>
+              <a:t>2013/6/5</a:t>
             </a:fld>
             <a:endParaRPr kumimoji="1" lang="zh-CN" altLang="en-US"/>
           </a:p>
@@ -4161,7 +4161,7 @@
           <a:p>
             <a:fld id="{F9B7FF9E-3665-1A47-AC2D-5E17982E9739}" type="datetimeFigureOut">
               <a:rPr kumimoji="1" lang="zh-CN" altLang="en-US" smtClean="0"/>
-              <a:t>2013/5/28</a:t>
+              <a:t>2013/6/5</a:t>
             </a:fld>
             <a:endParaRPr kumimoji="1" lang="zh-CN" altLang="en-US"/>
           </a:p>
@@ -4583,7 +4583,7 @@
           <a:p>
             <a:fld id="{F9B7FF9E-3665-1A47-AC2D-5E17982E9739}" type="datetimeFigureOut">
               <a:rPr kumimoji="1" lang="zh-CN" altLang="en-US" smtClean="0"/>
-              <a:t>2013/5/28</a:t>
+              <a:t>2013/6/5</a:t>
             </a:fld>
             <a:endParaRPr kumimoji="1" lang="zh-CN" altLang="en-US"/>
           </a:p>
@@ -4701,7 +4701,7 @@
           <a:p>
             <a:fld id="{F9B7FF9E-3665-1A47-AC2D-5E17982E9739}" type="datetimeFigureOut">
               <a:rPr kumimoji="1" lang="zh-CN" altLang="en-US" smtClean="0"/>
-              <a:t>2013/5/28</a:t>
+              <a:t>2013/6/5</a:t>
             </a:fld>
             <a:endParaRPr kumimoji="1" lang="zh-CN" altLang="en-US"/>
           </a:p>
@@ -4796,7 +4796,7 @@
           <a:p>
             <a:fld id="{F9B7FF9E-3665-1A47-AC2D-5E17982E9739}" type="datetimeFigureOut">
               <a:rPr kumimoji="1" lang="zh-CN" altLang="en-US" smtClean="0"/>
-              <a:t>2013/5/28</a:t>
+              <a:t>2013/6/5</a:t>
             </a:fld>
             <a:endParaRPr kumimoji="1" lang="zh-CN" altLang="en-US"/>
           </a:p>
@@ -5073,7 +5073,7 @@
           <a:p>
             <a:fld id="{F9B7FF9E-3665-1A47-AC2D-5E17982E9739}" type="datetimeFigureOut">
               <a:rPr kumimoji="1" lang="zh-CN" altLang="en-US" smtClean="0"/>
-              <a:t>2013/5/28</a:t>
+              <a:t>2013/6/5</a:t>
             </a:fld>
             <a:endParaRPr kumimoji="1" lang="zh-CN" altLang="en-US"/>
           </a:p>
@@ -5326,7 +5326,7 @@
           <a:p>
             <a:fld id="{F9B7FF9E-3665-1A47-AC2D-5E17982E9739}" type="datetimeFigureOut">
               <a:rPr kumimoji="1" lang="zh-CN" altLang="en-US" smtClean="0"/>
-              <a:t>2013/5/28</a:t>
+              <a:t>2013/6/5</a:t>
             </a:fld>
             <a:endParaRPr kumimoji="1" lang="zh-CN" altLang="en-US"/>
           </a:p>
@@ -5539,7 +5539,7 @@
           <a:p>
             <a:fld id="{F9B7FF9E-3665-1A47-AC2D-5E17982E9739}" type="datetimeFigureOut">
               <a:rPr kumimoji="1" lang="zh-CN" altLang="en-US" smtClean="0"/>
-              <a:t>2013/5/28</a:t>
+              <a:t>2013/6/5</a:t>
             </a:fld>
             <a:endParaRPr kumimoji="1" lang="zh-CN" altLang="en-US"/>
           </a:p>
@@ -6057,7 +6057,7 @@
                 </a:solidFill>
               </a:rPr>
               <a:pPr defTabSz="914400"/>
-              <a:t>2013/5/28</a:t>
+              <a:t>2013/6/5</a:t>
             </a:fld>
             <a:endParaRPr lang="zh-CN" altLang="en-US" smtClean="0">
               <a:solidFill>
@@ -12633,7 +12633,7 @@
                   </a:schemeClr>
                 </a:solidFill>
               </a:rPr>
-              <a:t>Viewport</a:t>
+              <a:t>Content</a:t>
             </a:r>
             <a:endParaRPr lang="zh-CN" altLang="en-US" sz="1400" dirty="0" smtClean="0">
               <a:solidFill>
@@ -12848,42 +12848,6 @@
       </p:cxnSp>
       <p:cxnSp>
         <p:nvCxnSpPr>
-          <p:cNvPr id="280" name="直接箭头连接符 279"/>
-          <p:cNvCxnSpPr>
-            <a:stCxn id="114" idx="0"/>
-            <a:endCxn id="13" idx="2"/>
-          </p:cNvCxnSpPr>
-          <p:nvPr/>
-        </p:nvCxnSpPr>
-        <p:spPr>
-          <a:xfrm flipV="1">
-            <a:off x="7858609" y="3281862"/>
-            <a:ext cx="1" cy="296827"/>
-          </a:xfrm>
-          <a:prstGeom prst="straightConnector1">
-            <a:avLst/>
-          </a:prstGeom>
-          <a:ln>
-            <a:tailEnd type="arrow"/>
-          </a:ln>
-        </p:spPr>
-        <p:style>
-          <a:lnRef idx="1">
-            <a:schemeClr val="accent1"/>
-          </a:lnRef>
-          <a:fillRef idx="0">
-            <a:schemeClr val="accent1"/>
-          </a:fillRef>
-          <a:effectRef idx="0">
-            <a:schemeClr val="accent1"/>
-          </a:effectRef>
-          <a:fontRef idx="minor">
-            <a:schemeClr val="tx1"/>
-          </a:fontRef>
-        </p:style>
-      </p:cxnSp>
-      <p:cxnSp>
-        <p:nvCxnSpPr>
           <p:cNvPr id="64" name="直接箭头连接符 63"/>
           <p:cNvCxnSpPr>
             <a:stCxn id="41" idx="0"/>
@@ -13028,42 +12992,6 @@
       </p:cxnSp>
       <p:cxnSp>
         <p:nvCxnSpPr>
-          <p:cNvPr id="80" name="直接箭头连接符 79"/>
-          <p:cNvCxnSpPr>
-            <a:stCxn id="114" idx="1"/>
-            <a:endCxn id="12" idx="2"/>
-          </p:cNvCxnSpPr>
-          <p:nvPr/>
-        </p:nvCxnSpPr>
-        <p:spPr>
-          <a:xfrm flipH="1" flipV="1">
-            <a:off x="6433996" y="3293057"/>
-            <a:ext cx="938022" cy="468012"/>
-          </a:xfrm>
-          <a:prstGeom prst="straightConnector1">
-            <a:avLst/>
-          </a:prstGeom>
-          <a:ln>
-            <a:tailEnd type="arrow"/>
-          </a:ln>
-        </p:spPr>
-        <p:style>
-          <a:lnRef idx="1">
-            <a:schemeClr val="accent1"/>
-          </a:lnRef>
-          <a:fillRef idx="0">
-            <a:schemeClr val="accent1"/>
-          </a:fillRef>
-          <a:effectRef idx="0">
-            <a:schemeClr val="accent1"/>
-          </a:effectRef>
-          <a:fontRef idx="minor">
-            <a:schemeClr val="tx1"/>
-          </a:fontRef>
-        </p:style>
-      </p:cxnSp>
-      <p:cxnSp>
-        <p:nvCxnSpPr>
           <p:cNvPr id="84" name="肘形连接符 83"/>
           <p:cNvCxnSpPr>
             <a:stCxn id="62" idx="0"/>
@@ -13077,80 +13005,6 @@
             <a:ext cx="1023669" cy="2519117"/>
           </a:xfrm>
           <a:prstGeom prst="bentConnector2">
-            <a:avLst/>
-          </a:prstGeom>
-          <a:ln>
-            <a:tailEnd type="arrow"/>
-          </a:ln>
-        </p:spPr>
-        <p:style>
-          <a:lnRef idx="1">
-            <a:schemeClr val="accent1"/>
-          </a:lnRef>
-          <a:fillRef idx="0">
-            <a:schemeClr val="accent1"/>
-          </a:fillRef>
-          <a:effectRef idx="0">
-            <a:schemeClr val="accent1"/>
-          </a:effectRef>
-          <a:fontRef idx="minor">
-            <a:schemeClr val="tx1"/>
-          </a:fontRef>
-        </p:style>
-      </p:cxnSp>
-      <p:cxnSp>
-        <p:nvCxnSpPr>
-          <p:cNvPr id="86" name="肘形连接符 85"/>
-          <p:cNvCxnSpPr>
-            <a:stCxn id="114" idx="3"/>
-            <a:endCxn id="4" idx="3"/>
-          </p:cNvCxnSpPr>
-          <p:nvPr/>
-        </p:nvCxnSpPr>
-        <p:spPr>
-          <a:xfrm flipH="1" flipV="1">
-            <a:off x="5237789" y="1143859"/>
-            <a:ext cx="3107410" cy="2617210"/>
-          </a:xfrm>
-          <a:prstGeom prst="bentConnector3">
-            <a:avLst>
-              <a:gd name="adj1" fmla="val -7357"/>
-            </a:avLst>
-          </a:prstGeom>
-          <a:ln>
-            <a:tailEnd type="arrow"/>
-          </a:ln>
-        </p:spPr>
-        <p:style>
-          <a:lnRef idx="1">
-            <a:schemeClr val="accent1"/>
-          </a:lnRef>
-          <a:fillRef idx="0">
-            <a:schemeClr val="accent1"/>
-          </a:fillRef>
-          <a:effectRef idx="0">
-            <a:schemeClr val="accent1"/>
-          </a:effectRef>
-          <a:fontRef idx="minor">
-            <a:schemeClr val="tx1"/>
-          </a:fontRef>
-        </p:style>
-      </p:cxnSp>
-      <p:cxnSp>
-        <p:nvCxnSpPr>
-          <p:cNvPr id="88" name="肘形连接符 87"/>
-          <p:cNvCxnSpPr>
-            <a:stCxn id="14" idx="1"/>
-            <a:endCxn id="4" idx="3"/>
-          </p:cNvCxnSpPr>
-          <p:nvPr/>
-        </p:nvCxnSpPr>
-        <p:spPr>
-          <a:xfrm rot="10800000">
-            <a:off x="5237789" y="1143859"/>
-            <a:ext cx="709616" cy="2617210"/>
-          </a:xfrm>
-          <a:prstGeom prst="bentConnector3">
             <a:avLst/>
           </a:prstGeom>
           <a:ln>

--- a/doc/design.pptx
+++ b/doc/design.pptx
@@ -294,7 +294,7 @@
           <a:p>
             <a:fld id="{F9B7FF9E-3665-1A47-AC2D-5E17982E9739}" type="datetimeFigureOut">
               <a:rPr kumimoji="1" lang="zh-CN" altLang="en-US" smtClean="0"/>
-              <a:t>2013/6/5</a:t>
+              <a:t>2013/6/7</a:t>
             </a:fld>
             <a:endParaRPr kumimoji="1" lang="zh-CN" altLang="en-US"/>
           </a:p>
@@ -464,7 +464,7 @@
           <a:p>
             <a:fld id="{F9B7FF9E-3665-1A47-AC2D-5E17982E9739}" type="datetimeFigureOut">
               <a:rPr kumimoji="1" lang="zh-CN" altLang="en-US" smtClean="0"/>
-              <a:t>2013/6/5</a:t>
+              <a:t>2013/6/7</a:t>
             </a:fld>
             <a:endParaRPr kumimoji="1" lang="zh-CN" altLang="en-US"/>
           </a:p>
@@ -644,7 +644,7 @@
           <a:p>
             <a:fld id="{F9B7FF9E-3665-1A47-AC2D-5E17982E9739}" type="datetimeFigureOut">
               <a:rPr kumimoji="1" lang="zh-CN" altLang="en-US" smtClean="0"/>
-              <a:t>2013/6/5</a:t>
+              <a:t>2013/6/7</a:t>
             </a:fld>
             <a:endParaRPr kumimoji="1" lang="zh-CN" altLang="en-US"/>
           </a:p>
@@ -893,7 +893,7 @@
                 </a:solidFill>
               </a:rPr>
               <a:pPr/>
-              <a:t>2013/6/5</a:t>
+              <a:t>2013/6/7</a:t>
             </a:fld>
             <a:endParaRPr lang="zh-CN" altLang="en-US">
               <a:solidFill>
@@ -1095,7 +1095,7 @@
                 </a:solidFill>
               </a:rPr>
               <a:pPr/>
-              <a:t>2013/6/5</a:t>
+              <a:t>2013/6/7</a:t>
             </a:fld>
             <a:endParaRPr lang="zh-CN" altLang="en-US">
               <a:solidFill>
@@ -1373,7 +1373,7 @@
                 </a:solidFill>
               </a:rPr>
               <a:pPr/>
-              <a:t>2013/6/5</a:t>
+              <a:t>2013/6/7</a:t>
             </a:fld>
             <a:endParaRPr lang="zh-CN" altLang="en-US">
               <a:solidFill>
@@ -1693,7 +1693,7 @@
                 </a:solidFill>
               </a:rPr>
               <a:pPr/>
-              <a:t>2013/6/5</a:t>
+              <a:t>2013/6/7</a:t>
             </a:fld>
             <a:endParaRPr lang="zh-CN" altLang="en-US">
               <a:solidFill>
@@ -2147,7 +2147,7 @@
                 </a:solidFill>
               </a:rPr>
               <a:pPr/>
-              <a:t>2013/6/5</a:t>
+              <a:t>2013/6/7</a:t>
             </a:fld>
             <a:endParaRPr lang="zh-CN" altLang="en-US">
               <a:solidFill>
@@ -2297,7 +2297,7 @@
                 </a:solidFill>
               </a:rPr>
               <a:pPr/>
-              <a:t>2013/6/5</a:t>
+              <a:t>2013/6/7</a:t>
             </a:fld>
             <a:endParaRPr lang="zh-CN" altLang="en-US">
               <a:solidFill>
@@ -2424,7 +2424,7 @@
                 </a:solidFill>
               </a:rPr>
               <a:pPr/>
-              <a:t>2013/6/5</a:t>
+              <a:t>2013/6/7</a:t>
             </a:fld>
             <a:endParaRPr lang="zh-CN" altLang="en-US">
               <a:solidFill>
@@ -2733,7 +2733,7 @@
                 </a:solidFill>
               </a:rPr>
               <a:pPr/>
-              <a:t>2013/6/5</a:t>
+              <a:t>2013/6/7</a:t>
             </a:fld>
             <a:endParaRPr lang="zh-CN" altLang="en-US">
               <a:solidFill>
@@ -2928,7 +2928,7 @@
           <a:p>
             <a:fld id="{F9B7FF9E-3665-1A47-AC2D-5E17982E9739}" type="datetimeFigureOut">
               <a:rPr kumimoji="1" lang="zh-CN" altLang="en-US" smtClean="0"/>
-              <a:t>2013/6/5</a:t>
+              <a:t>2013/6/7</a:t>
             </a:fld>
             <a:endParaRPr kumimoji="1" lang="zh-CN" altLang="en-US"/>
           </a:p>
@@ -3188,7 +3188,7 @@
                 </a:solidFill>
               </a:rPr>
               <a:pPr/>
-              <a:t>2013/6/5</a:t>
+              <a:t>2013/6/7</a:t>
             </a:fld>
             <a:endParaRPr lang="zh-CN" altLang="en-US">
               <a:solidFill>
@@ -3390,7 +3390,7 @@
                 </a:solidFill>
               </a:rPr>
               <a:pPr/>
-              <a:t>2013/6/5</a:t>
+              <a:t>2013/6/7</a:t>
             </a:fld>
             <a:endParaRPr lang="zh-CN" altLang="en-US">
               <a:solidFill>
@@ -3602,7 +3602,7 @@
                 </a:solidFill>
               </a:rPr>
               <a:pPr/>
-              <a:t>2013/6/5</a:t>
+              <a:t>2013/6/7</a:t>
             </a:fld>
             <a:endParaRPr lang="zh-CN" altLang="en-US">
               <a:solidFill>
@@ -3873,7 +3873,7 @@
           <a:p>
             <a:fld id="{F9B7FF9E-3665-1A47-AC2D-5E17982E9739}" type="datetimeFigureOut">
               <a:rPr kumimoji="1" lang="zh-CN" altLang="en-US" smtClean="0"/>
-              <a:t>2013/6/5</a:t>
+              <a:t>2013/6/7</a:t>
             </a:fld>
             <a:endParaRPr kumimoji="1" lang="zh-CN" altLang="en-US"/>
           </a:p>
@@ -4161,7 +4161,7 @@
           <a:p>
             <a:fld id="{F9B7FF9E-3665-1A47-AC2D-5E17982E9739}" type="datetimeFigureOut">
               <a:rPr kumimoji="1" lang="zh-CN" altLang="en-US" smtClean="0"/>
-              <a:t>2013/6/5</a:t>
+              <a:t>2013/6/7</a:t>
             </a:fld>
             <a:endParaRPr kumimoji="1" lang="zh-CN" altLang="en-US"/>
           </a:p>
@@ -4583,7 +4583,7 @@
           <a:p>
             <a:fld id="{F9B7FF9E-3665-1A47-AC2D-5E17982E9739}" type="datetimeFigureOut">
               <a:rPr kumimoji="1" lang="zh-CN" altLang="en-US" smtClean="0"/>
-              <a:t>2013/6/5</a:t>
+              <a:t>2013/6/7</a:t>
             </a:fld>
             <a:endParaRPr kumimoji="1" lang="zh-CN" altLang="en-US"/>
           </a:p>
@@ -4701,7 +4701,7 @@
           <a:p>
             <a:fld id="{F9B7FF9E-3665-1A47-AC2D-5E17982E9739}" type="datetimeFigureOut">
               <a:rPr kumimoji="1" lang="zh-CN" altLang="en-US" smtClean="0"/>
-              <a:t>2013/6/5</a:t>
+              <a:t>2013/6/7</a:t>
             </a:fld>
             <a:endParaRPr kumimoji="1" lang="zh-CN" altLang="en-US"/>
           </a:p>
@@ -4796,7 +4796,7 @@
           <a:p>
             <a:fld id="{F9B7FF9E-3665-1A47-AC2D-5E17982E9739}" type="datetimeFigureOut">
               <a:rPr kumimoji="1" lang="zh-CN" altLang="en-US" smtClean="0"/>
-              <a:t>2013/6/5</a:t>
+              <a:t>2013/6/7</a:t>
             </a:fld>
             <a:endParaRPr kumimoji="1" lang="zh-CN" altLang="en-US"/>
           </a:p>
@@ -5073,7 +5073,7 @@
           <a:p>
             <a:fld id="{F9B7FF9E-3665-1A47-AC2D-5E17982E9739}" type="datetimeFigureOut">
               <a:rPr kumimoji="1" lang="zh-CN" altLang="en-US" smtClean="0"/>
-              <a:t>2013/6/5</a:t>
+              <a:t>2013/6/7</a:t>
             </a:fld>
             <a:endParaRPr kumimoji="1" lang="zh-CN" altLang="en-US"/>
           </a:p>
@@ -5326,7 +5326,7 @@
           <a:p>
             <a:fld id="{F9B7FF9E-3665-1A47-AC2D-5E17982E9739}" type="datetimeFigureOut">
               <a:rPr kumimoji="1" lang="zh-CN" altLang="en-US" smtClean="0"/>
-              <a:t>2013/6/5</a:t>
+              <a:t>2013/6/7</a:t>
             </a:fld>
             <a:endParaRPr kumimoji="1" lang="zh-CN" altLang="en-US"/>
           </a:p>
@@ -5539,7 +5539,7 @@
           <a:p>
             <a:fld id="{F9B7FF9E-3665-1A47-AC2D-5E17982E9739}" type="datetimeFigureOut">
               <a:rPr kumimoji="1" lang="zh-CN" altLang="en-US" smtClean="0"/>
-              <a:t>2013/6/5</a:t>
+              <a:t>2013/6/7</a:t>
             </a:fld>
             <a:endParaRPr kumimoji="1" lang="zh-CN" altLang="en-US"/>
           </a:p>
@@ -6057,7 +6057,7 @@
                 </a:solidFill>
               </a:rPr>
               <a:pPr defTabSz="914400"/>
-              <a:t>2013/6/5</a:t>
+              <a:t>2013/6/7</a:t>
             </a:fld>
             <a:endParaRPr lang="zh-CN" altLang="en-US" smtClean="0">
               <a:solidFill>
@@ -11877,7 +11877,7 @@
         </p:nvSpPr>
         <p:spPr>
           <a:xfrm>
-            <a:off x="3829204" y="961479"/>
+            <a:off x="3485084" y="961479"/>
             <a:ext cx="1408585" cy="364759"/>
           </a:xfrm>
           <a:prstGeom prst="rect">
@@ -11933,7 +11933,7 @@
         </p:nvSpPr>
         <p:spPr>
           <a:xfrm>
-            <a:off x="4000946" y="3578689"/>
+            <a:off x="3532318" y="3578685"/>
             <a:ext cx="1066695" cy="364759"/>
           </a:xfrm>
           <a:prstGeom prst="rect">
@@ -11989,7 +11989,7 @@
         </p:nvSpPr>
         <p:spPr>
           <a:xfrm>
-            <a:off x="7372017" y="2148057"/>
+            <a:off x="7694823" y="2183325"/>
             <a:ext cx="973183" cy="364759"/>
           </a:xfrm>
           <a:prstGeom prst="rect">
@@ -12046,7 +12046,7 @@
         </p:nvSpPr>
         <p:spPr>
           <a:xfrm>
-            <a:off x="5947405" y="2167528"/>
+            <a:off x="6633362" y="1473314"/>
             <a:ext cx="973183" cy="364759"/>
           </a:xfrm>
           <a:prstGeom prst="rect">
@@ -12103,7 +12103,7 @@
         </p:nvSpPr>
         <p:spPr>
           <a:xfrm>
-            <a:off x="5947404" y="2928298"/>
+            <a:off x="6633361" y="2869566"/>
             <a:ext cx="973183" cy="364759"/>
           </a:xfrm>
           <a:prstGeom prst="rect">
@@ -12159,7 +12159,7 @@
         </p:nvSpPr>
         <p:spPr>
           <a:xfrm>
-            <a:off x="7372018" y="2917103"/>
+            <a:off x="7694822" y="3578684"/>
             <a:ext cx="973183" cy="364759"/>
           </a:xfrm>
           <a:prstGeom prst="rect">
@@ -12226,7 +12226,7 @@
         </p:nvSpPr>
         <p:spPr>
           <a:xfrm>
-            <a:off x="5947405" y="3578689"/>
+            <a:off x="5257453" y="3578686"/>
             <a:ext cx="973182" cy="364759"/>
           </a:xfrm>
           <a:prstGeom prst="rect">
@@ -12235,13 +12235,13 @@
         </p:spPr>
         <p:style>
           <a:lnRef idx="1">
-            <a:schemeClr val="accent6"/>
+            <a:schemeClr val="accent5"/>
           </a:lnRef>
           <a:fillRef idx="2">
-            <a:schemeClr val="accent6"/>
+            <a:schemeClr val="accent5"/>
           </a:fillRef>
           <a:effectRef idx="1">
-            <a:schemeClr val="accent6"/>
+            <a:schemeClr val="accent5"/>
           </a:effectRef>
           <a:fontRef idx="minor">
             <a:schemeClr val="dk1"/>
@@ -12282,7 +12282,7 @@
         </p:nvSpPr>
         <p:spPr>
           <a:xfrm>
-            <a:off x="2629214" y="3578688"/>
+            <a:off x="2344086" y="3578688"/>
             <a:ext cx="973183" cy="364759"/>
           </a:xfrm>
           <a:prstGeom prst="rect">
@@ -12338,7 +12338,7 @@
         </p:nvSpPr>
         <p:spPr>
           <a:xfrm>
-            <a:off x="3918926" y="5081895"/>
+            <a:off x="3456822" y="5081895"/>
             <a:ext cx="1224136" cy="364759"/>
           </a:xfrm>
           <a:prstGeom prst="rect">
@@ -12394,7 +12394,7 @@
         </p:nvSpPr>
         <p:spPr>
           <a:xfrm>
-            <a:off x="4047702" y="2178894"/>
+            <a:off x="3591310" y="2183325"/>
             <a:ext cx="973183" cy="364759"/>
           </a:xfrm>
           <a:prstGeom prst="rect">
@@ -12506,7 +12506,7 @@
         </p:nvSpPr>
         <p:spPr>
           <a:xfrm>
-            <a:off x="3965142" y="280697"/>
+            <a:off x="3621022" y="280697"/>
             <a:ext cx="1128760" cy="364759"/>
           </a:xfrm>
           <a:prstGeom prst="rect">
@@ -12565,7 +12565,7 @@
         </p:nvCxnSpPr>
         <p:spPr>
           <a:xfrm flipH="1" flipV="1">
-            <a:off x="4529522" y="645456"/>
+            <a:off x="4185402" y="645456"/>
             <a:ext cx="3975" cy="316023"/>
           </a:xfrm>
           <a:prstGeom prst="straightConnector1">
@@ -12598,7 +12598,7 @@
         </p:nvSpPr>
         <p:spPr>
           <a:xfrm>
-            <a:off x="7372018" y="3578689"/>
+            <a:off x="5867546" y="2167527"/>
             <a:ext cx="973181" cy="364759"/>
           </a:xfrm>
           <a:prstGeom prst="rect">
@@ -12607,13 +12607,13 @@
         </p:spPr>
         <p:style>
           <a:lnRef idx="1">
-            <a:schemeClr val="accent6"/>
+            <a:schemeClr val="accent5"/>
           </a:lnRef>
           <a:fillRef idx="2">
-            <a:schemeClr val="accent6"/>
+            <a:schemeClr val="accent5"/>
           </a:fillRef>
           <a:effectRef idx="1">
-            <a:schemeClr val="accent6"/>
+            <a:schemeClr val="accent5"/>
           </a:effectRef>
           <a:fontRef idx="minor">
             <a:schemeClr val="dk1"/>
@@ -12713,8 +12713,8 @@
         </p:nvCxnSpPr>
         <p:spPr>
           <a:xfrm flipV="1">
-            <a:off x="4534294" y="2543653"/>
-            <a:ext cx="0" cy="1035036"/>
+            <a:off x="4065666" y="2548084"/>
+            <a:ext cx="12236" cy="1030601"/>
           </a:xfrm>
           <a:prstGeom prst="straightConnector1">
             <a:avLst/>
@@ -12749,8 +12749,8 @@
         </p:nvCxnSpPr>
         <p:spPr>
           <a:xfrm flipV="1">
-            <a:off x="6433996" y="2532287"/>
-            <a:ext cx="1" cy="396011"/>
+            <a:off x="7119953" y="1838073"/>
+            <a:ext cx="1" cy="1031493"/>
           </a:xfrm>
           <a:prstGeom prst="straightConnector1">
             <a:avLst/>
@@ -12778,17 +12778,17 @@
         <p:nvCxnSpPr>
           <p:cNvPr id="275" name="肘形连接符 274"/>
           <p:cNvCxnSpPr>
-            <a:stCxn id="12" idx="3"/>
+            <a:stCxn id="12" idx="0"/>
             <a:endCxn id="10" idx="1"/>
           </p:cNvCxnSpPr>
           <p:nvPr/>
         </p:nvCxnSpPr>
         <p:spPr>
-          <a:xfrm flipV="1">
-            <a:off x="6920587" y="2330437"/>
-            <a:ext cx="451430" cy="780241"/>
-          </a:xfrm>
-          <a:prstGeom prst="bentConnector3">
+          <a:xfrm rot="5400000" flipH="1" flipV="1">
+            <a:off x="7155458" y="2330201"/>
+            <a:ext cx="503861" cy="574870"/>
+          </a:xfrm>
+          <a:prstGeom prst="bentConnector2">
             <a:avLst/>
           </a:prstGeom>
           <a:ln>
@@ -12820,9 +12820,9 @@
           <p:nvPr/>
         </p:nvCxnSpPr>
         <p:spPr>
-          <a:xfrm flipH="1" flipV="1">
-            <a:off x="7858609" y="2512816"/>
-            <a:ext cx="1" cy="404287"/>
+          <a:xfrm flipV="1">
+            <a:off x="8181414" y="2548084"/>
+            <a:ext cx="1" cy="1030600"/>
           </a:xfrm>
           <a:prstGeom prst="straightConnector1">
             <a:avLst/>
@@ -12856,9 +12856,9 @@
           <p:nvPr/>
         </p:nvCxnSpPr>
         <p:spPr>
-          <a:xfrm flipV="1">
-            <a:off x="4530994" y="3943448"/>
-            <a:ext cx="3300" cy="1138447"/>
+          <a:xfrm flipH="1" flipV="1">
+            <a:off x="4065666" y="3943444"/>
+            <a:ext cx="3224" cy="1138451"/>
           </a:xfrm>
           <a:prstGeom prst="straightConnector1">
             <a:avLst/>
@@ -12893,8 +12893,8 @@
         </p:nvCxnSpPr>
         <p:spPr>
           <a:xfrm rot="10800000">
-            <a:off x="3115806" y="3943447"/>
-            <a:ext cx="803120" cy="1320828"/>
+            <a:off x="2830678" y="3943447"/>
+            <a:ext cx="626144" cy="1320828"/>
           </a:xfrm>
           <a:prstGeom prst="bentConnector2">
             <a:avLst/>
@@ -12929,8 +12929,8 @@
         </p:nvCxnSpPr>
         <p:spPr>
           <a:xfrm flipV="1">
-            <a:off x="5143062" y="3943448"/>
-            <a:ext cx="1290934" cy="1320827"/>
+            <a:off x="4680958" y="3943445"/>
+            <a:ext cx="1063086" cy="1320830"/>
           </a:xfrm>
           <a:prstGeom prst="bentConnector2">
             <a:avLst/>
@@ -12965,8 +12965,8 @@
         </p:nvCxnSpPr>
         <p:spPr>
           <a:xfrm flipV="1">
-            <a:off x="5143062" y="3943448"/>
-            <a:ext cx="2715547" cy="1320827"/>
+            <a:off x="4680958" y="2532286"/>
+            <a:ext cx="1673179" cy="2731989"/>
           </a:xfrm>
           <a:prstGeom prst="bentConnector2">
             <a:avLst/>
@@ -13001,8 +13001,8 @@
         </p:nvCxnSpPr>
         <p:spPr>
           <a:xfrm rot="5400000" flipH="1" flipV="1">
-            <a:off x="2057811" y="396136"/>
-            <a:ext cx="1023669" cy="2519117"/>
+            <a:off x="1885751" y="568196"/>
+            <a:ext cx="1023669" cy="2174997"/>
           </a:xfrm>
           <a:prstGeom prst="bentConnector2">
             <a:avLst/>
@@ -13037,13 +13037,13 @@
         </p:nvCxnSpPr>
         <p:spPr>
           <a:xfrm rot="16200000" flipH="1">
-            <a:off x="3583154" y="2276581"/>
-            <a:ext cx="2434831" cy="534144"/>
+            <a:off x="3176782" y="2338833"/>
+            <a:ext cx="2434827" cy="409636"/>
           </a:xfrm>
           <a:prstGeom prst="bentConnector4">
             <a:avLst>
-              <a:gd name="adj1" fmla="val 19603"/>
-              <a:gd name="adj2" fmla="val 143359"/>
+              <a:gd name="adj1" fmla="val 21622"/>
+              <a:gd name="adj2" fmla="val 172531"/>
             </a:avLst>
           </a:prstGeom>
           <a:ln>
@@ -13134,7 +13134,7 @@
         <p:spPr>
           <a:xfrm rot="10800000">
             <a:off x="769106" y="3777435"/>
-            <a:ext cx="3149821" cy="1486841"/>
+            <a:ext cx="2687717" cy="1486841"/>
           </a:xfrm>
           <a:prstGeom prst="bentConnector2">
             <a:avLst/>
@@ -13170,7 +13170,7 @@
         <p:spPr>
           <a:xfrm rot="10800000">
             <a:off x="1728376" y="3234327"/>
-            <a:ext cx="2190550" cy="2029949"/>
+            <a:ext cx="1728446" cy="2029949"/>
           </a:xfrm>
           <a:prstGeom prst="bentConnector2">
             <a:avLst/>
@@ -13205,12 +13205,123 @@
         </p:nvCxnSpPr>
         <p:spPr>
           <a:xfrm rot="5400000" flipH="1" flipV="1">
-            <a:off x="2698426" y="1743618"/>
-            <a:ext cx="2252450" cy="1417691"/>
+            <a:off x="2383802" y="1773114"/>
+            <a:ext cx="2252450" cy="1358699"/>
           </a:xfrm>
           <a:prstGeom prst="bentConnector3">
             <a:avLst>
-              <a:gd name="adj1" fmla="val 78810"/>
+              <a:gd name="adj1" fmla="val 76627"/>
+            </a:avLst>
+          </a:prstGeom>
+          <a:ln>
+            <a:tailEnd type="arrow"/>
+          </a:ln>
+        </p:spPr>
+        <p:style>
+          <a:lnRef idx="1">
+            <a:schemeClr val="accent1"/>
+          </a:lnRef>
+          <a:fillRef idx="0">
+            <a:schemeClr val="accent1"/>
+          </a:fillRef>
+          <a:effectRef idx="0">
+            <a:schemeClr val="accent1"/>
+          </a:effectRef>
+          <a:fontRef idx="minor">
+            <a:schemeClr val="tx1"/>
+          </a:fontRef>
+        </p:style>
+      </p:cxnSp>
+      <p:cxnSp>
+        <p:nvCxnSpPr>
+          <p:cNvPr id="49" name="肘形连接符 48"/>
+          <p:cNvCxnSpPr>
+            <a:stCxn id="41" idx="3"/>
+            <a:endCxn id="12" idx="2"/>
+          </p:cNvCxnSpPr>
+          <p:nvPr/>
+        </p:nvCxnSpPr>
+        <p:spPr>
+          <a:xfrm flipV="1">
+            <a:off x="4680958" y="3234325"/>
+            <a:ext cx="2438995" cy="2029950"/>
+          </a:xfrm>
+          <a:prstGeom prst="bentConnector2">
+            <a:avLst/>
+          </a:prstGeom>
+          <a:ln>
+            <a:tailEnd type="arrow"/>
+          </a:ln>
+        </p:spPr>
+        <p:style>
+          <a:lnRef idx="1">
+            <a:schemeClr val="accent1"/>
+          </a:lnRef>
+          <a:fillRef idx="0">
+            <a:schemeClr val="accent1"/>
+          </a:fillRef>
+          <a:effectRef idx="0">
+            <a:schemeClr val="accent1"/>
+          </a:effectRef>
+          <a:fontRef idx="minor">
+            <a:schemeClr val="tx1"/>
+          </a:fontRef>
+        </p:style>
+      </p:cxnSp>
+      <p:cxnSp>
+        <p:nvCxnSpPr>
+          <p:cNvPr id="51" name="肘形连接符 50"/>
+          <p:cNvCxnSpPr>
+            <a:stCxn id="41" idx="3"/>
+            <a:endCxn id="13" idx="2"/>
+          </p:cNvCxnSpPr>
+          <p:nvPr/>
+        </p:nvCxnSpPr>
+        <p:spPr>
+          <a:xfrm flipV="1">
+            <a:off x="4680958" y="3943443"/>
+            <a:ext cx="3500456" cy="1320832"/>
+          </a:xfrm>
+          <a:prstGeom prst="bentConnector2">
+            <a:avLst/>
+          </a:prstGeom>
+          <a:ln>
+            <a:tailEnd type="arrow"/>
+          </a:ln>
+        </p:spPr>
+        <p:style>
+          <a:lnRef idx="1">
+            <a:schemeClr val="accent1"/>
+          </a:lnRef>
+          <a:fillRef idx="0">
+            <a:schemeClr val="accent1"/>
+          </a:fillRef>
+          <a:effectRef idx="0">
+            <a:schemeClr val="accent1"/>
+          </a:effectRef>
+          <a:fontRef idx="minor">
+            <a:schemeClr val="tx1"/>
+          </a:fontRef>
+        </p:style>
+      </p:cxnSp>
+      <p:cxnSp>
+        <p:nvCxnSpPr>
+          <p:cNvPr id="55" name="肘形连接符 54"/>
+          <p:cNvCxnSpPr>
+            <a:stCxn id="41" idx="0"/>
+            <a:endCxn id="4" idx="3"/>
+          </p:cNvCxnSpPr>
+          <p:nvPr/>
+        </p:nvCxnSpPr>
+        <p:spPr>
+          <a:xfrm rot="5400000" flipH="1" flipV="1">
+            <a:off x="2512261" y="2700488"/>
+            <a:ext cx="3938036" cy="824779"/>
+          </a:xfrm>
+          <a:prstGeom prst="bentConnector4">
+            <a:avLst>
+              <a:gd name="adj1" fmla="val 11231"/>
+              <a:gd name="adj2" fmla="val 128910"/>
             </a:avLst>
           </a:prstGeom>
           <a:ln>

--- a/doc/design.pptx
+++ b/doc/design.pptx
@@ -6,6 +6,7 @@
   </p:sldMasterIdLst>
   <p:sldIdLst>
     <p:sldId id="262" r:id="rId2"/>
+    <p:sldId id="263" r:id="rId3"/>
   </p:sldIdLst>
   <p:sldSz cx="9144000" cy="6858000" type="screen4x3"/>
   <p:notesSz cx="6858000" cy="9144000"/>
@@ -295,7 +296,7 @@
                 </a:solidFill>
               </a:rPr>
               <a:pPr/>
-              <a:t>2013/6/27</a:t>
+              <a:t>2013/7/11</a:t>
             </a:fld>
             <a:endParaRPr lang="zh-CN" altLang="en-US">
               <a:solidFill>
@@ -497,7 +498,7 @@
                 </a:solidFill>
               </a:rPr>
               <a:pPr/>
-              <a:t>2013/6/27</a:t>
+              <a:t>2013/7/11</a:t>
             </a:fld>
             <a:endParaRPr lang="zh-CN" altLang="en-US">
               <a:solidFill>
@@ -709,7 +710,7 @@
                 </a:solidFill>
               </a:rPr>
               <a:pPr/>
-              <a:t>2013/6/27</a:t>
+              <a:t>2013/7/11</a:t>
             </a:fld>
             <a:endParaRPr lang="zh-CN" altLang="en-US">
               <a:solidFill>
@@ -911,7 +912,7 @@
                 </a:solidFill>
               </a:rPr>
               <a:pPr/>
-              <a:t>2013/6/27</a:t>
+              <a:t>2013/7/11</a:t>
             </a:fld>
             <a:endParaRPr lang="zh-CN" altLang="en-US">
               <a:solidFill>
@@ -1189,7 +1190,7 @@
                 </a:solidFill>
               </a:rPr>
               <a:pPr/>
-              <a:t>2013/6/27</a:t>
+              <a:t>2013/7/11</a:t>
             </a:fld>
             <a:endParaRPr lang="zh-CN" altLang="en-US">
               <a:solidFill>
@@ -1509,7 +1510,7 @@
                 </a:solidFill>
               </a:rPr>
               <a:pPr/>
-              <a:t>2013/6/27</a:t>
+              <a:t>2013/7/11</a:t>
             </a:fld>
             <a:endParaRPr lang="zh-CN" altLang="en-US">
               <a:solidFill>
@@ -1963,7 +1964,7 @@
                 </a:solidFill>
               </a:rPr>
               <a:pPr/>
-              <a:t>2013/6/27</a:t>
+              <a:t>2013/7/11</a:t>
             </a:fld>
             <a:endParaRPr lang="zh-CN" altLang="en-US">
               <a:solidFill>
@@ -2113,7 +2114,7 @@
                 </a:solidFill>
               </a:rPr>
               <a:pPr/>
-              <a:t>2013/6/27</a:t>
+              <a:t>2013/7/11</a:t>
             </a:fld>
             <a:endParaRPr lang="zh-CN" altLang="en-US">
               <a:solidFill>
@@ -2240,7 +2241,7 @@
                 </a:solidFill>
               </a:rPr>
               <a:pPr/>
-              <a:t>2013/6/27</a:t>
+              <a:t>2013/7/11</a:t>
             </a:fld>
             <a:endParaRPr lang="zh-CN" altLang="en-US">
               <a:solidFill>
@@ -2549,7 +2550,7 @@
                 </a:solidFill>
               </a:rPr>
               <a:pPr/>
-              <a:t>2013/6/27</a:t>
+              <a:t>2013/7/11</a:t>
             </a:fld>
             <a:endParaRPr lang="zh-CN" altLang="en-US">
               <a:solidFill>
@@ -2834,7 +2835,7 @@
                 </a:solidFill>
               </a:rPr>
               <a:pPr/>
-              <a:t>2013/6/27</a:t>
+              <a:t>2013/7/11</a:t>
             </a:fld>
             <a:endParaRPr lang="zh-CN" altLang="en-US">
               <a:solidFill>
@@ -3080,7 +3081,7 @@
                 </a:solidFill>
               </a:rPr>
               <a:pPr defTabSz="914400"/>
-              <a:t>2013/6/27</a:t>
+              <a:t>2013/7/11</a:t>
             </a:fld>
             <a:endParaRPr lang="zh-CN" altLang="en-US" smtClean="0">
               <a:solidFill>
@@ -4918,6 +4919,42 @@
           </a:fontRef>
         </p:style>
       </p:cxnSp>
+      <p:sp>
+        <p:nvSpPr>
+          <p:cNvPr id="2" name="TextBox 1"/>
+          <p:cNvSpPr txBox="1"/>
+          <p:nvPr/>
+        </p:nvSpPr>
+        <p:spPr>
+          <a:xfrm>
+            <a:off x="3664246" y="6164634"/>
+            <a:ext cx="1800493" cy="369332"/>
+          </a:xfrm>
+          <a:prstGeom prst="rect">
+            <a:avLst/>
+          </a:prstGeom>
+          <a:noFill/>
+        </p:spPr>
+        <p:txBody>
+          <a:bodyPr wrap="none" rtlCol="0">
+            <a:spAutoFit/>
+          </a:bodyPr>
+          <a:lstStyle/>
+          <a:p>
+            <a:r>
+              <a:rPr lang="zh-CN" altLang="en-US" dirty="0" smtClean="0">
+                <a:latin typeface="微软雅黑" pitchFamily="34" charset="-122"/>
+                <a:ea typeface="微软雅黑" pitchFamily="34" charset="-122"/>
+              </a:rPr>
+              <a:t>系统模块依赖图</a:t>
+            </a:r>
+            <a:endParaRPr lang="zh-CN" altLang="en-US" dirty="0">
+              <a:latin typeface="微软雅黑" pitchFamily="34" charset="-122"/>
+              <a:ea typeface="微软雅黑" pitchFamily="34" charset="-122"/>
+            </a:endParaRPr>
+          </a:p>
+        </p:txBody>
+      </p:sp>
     </p:spTree>
     <p:extLst>
       <p:ext uri="{BB962C8B-B14F-4D97-AF65-F5344CB8AC3E}">
@@ -5052,6 +5089,670 @@
       <p:bldP spid="92" grpId="0" animBg="1"/>
     </p:bldLst>
   </p:timing>
+</p:sld>
+</file>
+
+<file path=ppt/slides/slide2.xml><?xml version="1.0" encoding="utf-8"?>
+<p:sld xmlns:a="http://schemas.openxmlformats.org/drawingml/2006/main" xmlns:r="http://schemas.openxmlformats.org/officeDocument/2006/relationships" xmlns:p="http://schemas.openxmlformats.org/presentationml/2006/main">
+  <p:cSld>
+    <p:spTree>
+      <p:nvGrpSpPr>
+        <p:cNvPr id="1" name=""/>
+        <p:cNvGrpSpPr/>
+        <p:nvPr/>
+      </p:nvGrpSpPr>
+      <p:grpSpPr>
+        <a:xfrm>
+          <a:off x="0" y="0"/>
+          <a:ext cx="0" cy="0"/>
+          <a:chOff x="0" y="0"/>
+          <a:chExt cx="0" cy="0"/>
+        </a:xfrm>
+      </p:grpSpPr>
+      <p:sp>
+        <p:nvSpPr>
+          <p:cNvPr id="4" name="矩形 3"/>
+          <p:cNvSpPr/>
+          <p:nvPr/>
+        </p:nvSpPr>
+        <p:spPr>
+          <a:xfrm>
+            <a:off x="4001696" y="732157"/>
+            <a:ext cx="1081966" cy="364759"/>
+          </a:xfrm>
+          <a:prstGeom prst="rect">
+            <a:avLst/>
+          </a:prstGeom>
+        </p:spPr>
+        <p:style>
+          <a:lnRef idx="1">
+            <a:schemeClr val="accent2"/>
+          </a:lnRef>
+          <a:fillRef idx="2">
+            <a:schemeClr val="accent2"/>
+          </a:fillRef>
+          <a:effectRef idx="1">
+            <a:schemeClr val="accent2"/>
+          </a:effectRef>
+          <a:fontRef idx="minor">
+            <a:schemeClr val="dk1"/>
+          </a:fontRef>
+        </p:style>
+        <p:txBody>
+          <a:bodyPr rtlCol="0" anchor="ctr"/>
+          <a:lstStyle/>
+          <a:p>
+            <a:pPr algn="ctr" defTabSz="914400"/>
+            <a:r>
+              <a:rPr lang="en-US" altLang="zh-CN" sz="1400" dirty="0" smtClean="0">
+                <a:solidFill>
+                  <a:schemeClr val="tx1">
+                    <a:lumMod val="65000"/>
+                    <a:lumOff val="35000"/>
+                  </a:schemeClr>
+                </a:solidFill>
+              </a:rPr>
+              <a:t>define</a:t>
+            </a:r>
+            <a:endParaRPr lang="zh-CN" altLang="en-US" sz="1400" dirty="0" smtClean="0">
+              <a:solidFill>
+                <a:schemeClr val="tx1">
+                  <a:lumMod val="65000"/>
+                  <a:lumOff val="35000"/>
+                </a:schemeClr>
+              </a:solidFill>
+            </a:endParaRPr>
+          </a:p>
+        </p:txBody>
+      </p:sp>
+      <p:sp>
+        <p:nvSpPr>
+          <p:cNvPr id="5" name="矩形 4"/>
+          <p:cNvSpPr/>
+          <p:nvPr/>
+        </p:nvSpPr>
+        <p:spPr>
+          <a:xfrm>
+            <a:off x="4001697" y="1724606"/>
+            <a:ext cx="1081966" cy="364759"/>
+          </a:xfrm>
+          <a:prstGeom prst="rect">
+            <a:avLst/>
+          </a:prstGeom>
+        </p:spPr>
+        <p:style>
+          <a:lnRef idx="1">
+            <a:schemeClr val="accent5"/>
+          </a:lnRef>
+          <a:fillRef idx="2">
+            <a:schemeClr val="accent5"/>
+          </a:fillRef>
+          <a:effectRef idx="1">
+            <a:schemeClr val="accent5"/>
+          </a:effectRef>
+          <a:fontRef idx="minor">
+            <a:schemeClr val="dk1"/>
+          </a:fontRef>
+        </p:style>
+        <p:txBody>
+          <a:bodyPr rtlCol="0" anchor="ctr"/>
+          <a:lstStyle/>
+          <a:p>
+            <a:pPr algn="ctr" defTabSz="914400"/>
+            <a:r>
+              <a:rPr lang="en-US" altLang="zh-CN" sz="1400" dirty="0" smtClean="0">
+                <a:solidFill>
+                  <a:schemeClr val="tx1">
+                    <a:lumMod val="65000"/>
+                    <a:lumOff val="35000"/>
+                  </a:schemeClr>
+                </a:solidFill>
+              </a:rPr>
+              <a:t>startup</a:t>
+            </a:r>
+            <a:endParaRPr lang="zh-CN" altLang="en-US" sz="1400" dirty="0" smtClean="0">
+              <a:solidFill>
+                <a:schemeClr val="tx1">
+                  <a:lumMod val="65000"/>
+                  <a:lumOff val="35000"/>
+                </a:schemeClr>
+              </a:solidFill>
+            </a:endParaRPr>
+          </a:p>
+        </p:txBody>
+      </p:sp>
+      <p:sp>
+        <p:nvSpPr>
+          <p:cNvPr id="6" name="矩形 5"/>
+          <p:cNvSpPr/>
+          <p:nvPr/>
+        </p:nvSpPr>
+        <p:spPr>
+          <a:xfrm>
+            <a:off x="4001697" y="4620276"/>
+            <a:ext cx="1081966" cy="364759"/>
+          </a:xfrm>
+          <a:prstGeom prst="rect">
+            <a:avLst/>
+          </a:prstGeom>
+        </p:spPr>
+        <p:style>
+          <a:lnRef idx="1">
+            <a:schemeClr val="accent5"/>
+          </a:lnRef>
+          <a:fillRef idx="2">
+            <a:schemeClr val="accent5"/>
+          </a:fillRef>
+          <a:effectRef idx="1">
+            <a:schemeClr val="accent5"/>
+          </a:effectRef>
+          <a:fontRef idx="minor">
+            <a:schemeClr val="dk1"/>
+          </a:fontRef>
+        </p:style>
+        <p:txBody>
+          <a:bodyPr rtlCol="0" anchor="ctr"/>
+          <a:lstStyle/>
+          <a:p>
+            <a:pPr algn="ctr" defTabSz="914400"/>
+            <a:r>
+              <a:rPr lang="en-US" altLang="zh-CN" sz="1400" dirty="0" smtClean="0">
+                <a:solidFill>
+                  <a:schemeClr val="tx1">
+                    <a:lumMod val="65000"/>
+                    <a:lumOff val="35000"/>
+                  </a:schemeClr>
+                </a:solidFill>
+              </a:rPr>
+              <a:t>teardown</a:t>
+            </a:r>
+            <a:endParaRPr lang="zh-CN" altLang="en-US" sz="1400" dirty="0" smtClean="0">
+              <a:solidFill>
+                <a:schemeClr val="tx1">
+                  <a:lumMod val="65000"/>
+                  <a:lumOff val="35000"/>
+                </a:schemeClr>
+              </a:solidFill>
+            </a:endParaRPr>
+          </a:p>
+        </p:txBody>
+      </p:sp>
+      <p:sp>
+        <p:nvSpPr>
+          <p:cNvPr id="7" name="矩形 6"/>
+          <p:cNvSpPr/>
+          <p:nvPr/>
+        </p:nvSpPr>
+        <p:spPr>
+          <a:xfrm>
+            <a:off x="5556769" y="2791403"/>
+            <a:ext cx="1081966" cy="364759"/>
+          </a:xfrm>
+          <a:prstGeom prst="rect">
+            <a:avLst/>
+          </a:prstGeom>
+        </p:spPr>
+        <p:style>
+          <a:lnRef idx="1">
+            <a:schemeClr val="accent3"/>
+          </a:lnRef>
+          <a:fillRef idx="2">
+            <a:schemeClr val="accent3"/>
+          </a:fillRef>
+          <a:effectRef idx="1">
+            <a:schemeClr val="accent3"/>
+          </a:effectRef>
+          <a:fontRef idx="minor">
+            <a:schemeClr val="dk1"/>
+          </a:fontRef>
+        </p:style>
+        <p:txBody>
+          <a:bodyPr rtlCol="0" anchor="ctr"/>
+          <a:lstStyle/>
+          <a:p>
+            <a:pPr algn="ctr" defTabSz="914400"/>
+            <a:r>
+              <a:rPr lang="en-US" altLang="zh-CN" sz="1400" dirty="0" smtClean="0">
+                <a:solidFill>
+                  <a:schemeClr val="tx1">
+                    <a:lumMod val="65000"/>
+                    <a:lumOff val="35000"/>
+                  </a:schemeClr>
+                </a:solidFill>
+              </a:rPr>
+              <a:t>show</a:t>
+            </a:r>
+            <a:endParaRPr lang="zh-CN" altLang="en-US" sz="1400" dirty="0" smtClean="0">
+              <a:solidFill>
+                <a:schemeClr val="tx1">
+                  <a:lumMod val="65000"/>
+                  <a:lumOff val="35000"/>
+                </a:schemeClr>
+              </a:solidFill>
+            </a:endParaRPr>
+          </a:p>
+        </p:txBody>
+      </p:sp>
+      <p:sp>
+        <p:nvSpPr>
+          <p:cNvPr id="8" name="矩形 7"/>
+          <p:cNvSpPr/>
+          <p:nvPr/>
+        </p:nvSpPr>
+        <p:spPr>
+          <a:xfrm>
+            <a:off x="5556769" y="3707284"/>
+            <a:ext cx="1081966" cy="364759"/>
+          </a:xfrm>
+          <a:prstGeom prst="rect">
+            <a:avLst/>
+          </a:prstGeom>
+        </p:spPr>
+        <p:style>
+          <a:lnRef idx="1">
+            <a:schemeClr val="accent3"/>
+          </a:lnRef>
+          <a:fillRef idx="2">
+            <a:schemeClr val="accent3"/>
+          </a:fillRef>
+          <a:effectRef idx="1">
+            <a:schemeClr val="accent3"/>
+          </a:effectRef>
+          <a:fontRef idx="minor">
+            <a:schemeClr val="dk1"/>
+          </a:fontRef>
+        </p:style>
+        <p:txBody>
+          <a:bodyPr rtlCol="0" anchor="ctr"/>
+          <a:lstStyle/>
+          <a:p>
+            <a:pPr algn="ctr" defTabSz="914400"/>
+            <a:r>
+              <a:rPr lang="en-US" altLang="zh-CN" sz="1400" dirty="0" smtClean="0">
+                <a:solidFill>
+                  <a:schemeClr val="tx1">
+                    <a:lumMod val="65000"/>
+                    <a:lumOff val="35000"/>
+                  </a:schemeClr>
+                </a:solidFill>
+              </a:rPr>
+              <a:t>hide</a:t>
+            </a:r>
+            <a:endParaRPr lang="zh-CN" altLang="en-US" sz="1400" dirty="0" smtClean="0">
+              <a:solidFill>
+                <a:schemeClr val="tx1">
+                  <a:lumMod val="65000"/>
+                  <a:lumOff val="35000"/>
+                </a:schemeClr>
+              </a:solidFill>
+            </a:endParaRPr>
+          </a:p>
+        </p:txBody>
+      </p:sp>
+      <p:cxnSp>
+        <p:nvCxnSpPr>
+          <p:cNvPr id="15" name="曲线连接符 14"/>
+          <p:cNvCxnSpPr>
+            <a:stCxn id="5" idx="3"/>
+            <a:endCxn id="7" idx="0"/>
+          </p:cNvCxnSpPr>
+          <p:nvPr/>
+        </p:nvCxnSpPr>
+        <p:spPr>
+          <a:xfrm>
+            <a:off x="5083663" y="1906986"/>
+            <a:ext cx="1014089" cy="884417"/>
+          </a:xfrm>
+          <a:prstGeom prst="curvedConnector2">
+            <a:avLst/>
+          </a:prstGeom>
+          <a:ln>
+            <a:tailEnd type="arrow"/>
+          </a:ln>
+        </p:spPr>
+        <p:style>
+          <a:lnRef idx="1">
+            <a:schemeClr val="accent1"/>
+          </a:lnRef>
+          <a:fillRef idx="0">
+            <a:schemeClr val="accent1"/>
+          </a:fillRef>
+          <a:effectRef idx="0">
+            <a:schemeClr val="accent1"/>
+          </a:effectRef>
+          <a:fontRef idx="minor">
+            <a:schemeClr val="tx1"/>
+          </a:fontRef>
+        </p:style>
+      </p:cxnSp>
+      <p:cxnSp>
+        <p:nvCxnSpPr>
+          <p:cNvPr id="17" name="曲线连接符 16"/>
+          <p:cNvCxnSpPr>
+            <a:stCxn id="6" idx="1"/>
+            <a:endCxn id="5" idx="1"/>
+          </p:cNvCxnSpPr>
+          <p:nvPr/>
+        </p:nvCxnSpPr>
+        <p:spPr>
+          <a:xfrm rot="10800000">
+            <a:off x="4001697" y="1906986"/>
+            <a:ext cx="12700" cy="2895670"/>
+          </a:xfrm>
+          <a:prstGeom prst="curvedConnector3">
+            <a:avLst>
+              <a:gd name="adj1" fmla="val 8021362"/>
+            </a:avLst>
+          </a:prstGeom>
+          <a:ln>
+            <a:tailEnd type="arrow"/>
+          </a:ln>
+        </p:spPr>
+        <p:style>
+          <a:lnRef idx="1">
+            <a:schemeClr val="accent1"/>
+          </a:lnRef>
+          <a:fillRef idx="0">
+            <a:schemeClr val="accent1"/>
+          </a:fillRef>
+          <a:effectRef idx="0">
+            <a:schemeClr val="accent1"/>
+          </a:effectRef>
+          <a:fontRef idx="minor">
+            <a:schemeClr val="tx1"/>
+          </a:fontRef>
+        </p:style>
+      </p:cxnSp>
+      <p:cxnSp>
+        <p:nvCxnSpPr>
+          <p:cNvPr id="19" name="曲线连接符 18"/>
+          <p:cNvCxnSpPr>
+            <a:stCxn id="8" idx="2"/>
+          </p:cNvCxnSpPr>
+          <p:nvPr/>
+        </p:nvCxnSpPr>
+        <p:spPr>
+          <a:xfrm rot="5400000">
+            <a:off x="5252036" y="3903671"/>
+            <a:ext cx="677345" cy="1014089"/>
+          </a:xfrm>
+          <a:prstGeom prst="curvedConnector2">
+            <a:avLst/>
+          </a:prstGeom>
+          <a:ln>
+            <a:tailEnd type="arrow"/>
+          </a:ln>
+        </p:spPr>
+        <p:style>
+          <a:lnRef idx="1">
+            <a:schemeClr val="accent1"/>
+          </a:lnRef>
+          <a:fillRef idx="0">
+            <a:schemeClr val="accent1"/>
+          </a:fillRef>
+          <a:effectRef idx="0">
+            <a:schemeClr val="accent1"/>
+          </a:effectRef>
+          <a:fontRef idx="minor">
+            <a:schemeClr val="tx1"/>
+          </a:fontRef>
+        </p:style>
+      </p:cxnSp>
+      <p:cxnSp>
+        <p:nvCxnSpPr>
+          <p:cNvPr id="23" name="曲线连接符 22"/>
+          <p:cNvCxnSpPr>
+            <a:stCxn id="8" idx="1"/>
+            <a:endCxn id="7" idx="1"/>
+          </p:cNvCxnSpPr>
+          <p:nvPr/>
+        </p:nvCxnSpPr>
+        <p:spPr>
+          <a:xfrm rot="10800000">
+            <a:off x="5556769" y="2973784"/>
+            <a:ext cx="12700" cy="915881"/>
+          </a:xfrm>
+          <a:prstGeom prst="curvedConnector3">
+            <a:avLst>
+              <a:gd name="adj1" fmla="val 1800000"/>
+            </a:avLst>
+          </a:prstGeom>
+          <a:ln>
+            <a:tailEnd type="arrow"/>
+          </a:ln>
+        </p:spPr>
+        <p:style>
+          <a:lnRef idx="1">
+            <a:schemeClr val="accent1"/>
+          </a:lnRef>
+          <a:fillRef idx="0">
+            <a:schemeClr val="accent1"/>
+          </a:fillRef>
+          <a:effectRef idx="0">
+            <a:schemeClr val="accent1"/>
+          </a:effectRef>
+          <a:fontRef idx="minor">
+            <a:schemeClr val="tx1"/>
+          </a:fontRef>
+        </p:style>
+      </p:cxnSp>
+      <p:cxnSp>
+        <p:nvCxnSpPr>
+          <p:cNvPr id="27" name="曲线连接符 26"/>
+          <p:cNvCxnSpPr>
+            <a:stCxn id="7" idx="3"/>
+            <a:endCxn id="8" idx="3"/>
+          </p:cNvCxnSpPr>
+          <p:nvPr/>
+        </p:nvCxnSpPr>
+        <p:spPr>
+          <a:xfrm>
+            <a:off x="6638735" y="2973783"/>
+            <a:ext cx="12700" cy="915881"/>
+          </a:xfrm>
+          <a:prstGeom prst="curvedConnector3">
+            <a:avLst>
+              <a:gd name="adj1" fmla="val 1800000"/>
+            </a:avLst>
+          </a:prstGeom>
+          <a:ln>
+            <a:tailEnd type="arrow"/>
+          </a:ln>
+        </p:spPr>
+        <p:style>
+          <a:lnRef idx="1">
+            <a:schemeClr val="accent1"/>
+          </a:lnRef>
+          <a:fillRef idx="0">
+            <a:schemeClr val="accent1"/>
+          </a:fillRef>
+          <a:effectRef idx="0">
+            <a:schemeClr val="accent1"/>
+          </a:effectRef>
+          <a:fontRef idx="minor">
+            <a:schemeClr val="tx1"/>
+          </a:fontRef>
+        </p:style>
+      </p:cxnSp>
+      <p:sp>
+        <p:nvSpPr>
+          <p:cNvPr id="32" name="TextBox 31"/>
+          <p:cNvSpPr txBox="1"/>
+          <p:nvPr/>
+        </p:nvSpPr>
+        <p:spPr>
+          <a:xfrm>
+            <a:off x="3757849" y="5482714"/>
+            <a:ext cx="1569660" cy="369332"/>
+          </a:xfrm>
+          <a:prstGeom prst="rect">
+            <a:avLst/>
+          </a:prstGeom>
+          <a:noFill/>
+        </p:spPr>
+        <p:txBody>
+          <a:bodyPr wrap="none" rtlCol="0">
+            <a:spAutoFit/>
+          </a:bodyPr>
+          <a:lstStyle/>
+          <a:p>
+            <a:r>
+              <a:rPr lang="zh-CN" altLang="en-US" dirty="0" smtClean="0">
+                <a:latin typeface="微软雅黑" pitchFamily="34" charset="-122"/>
+                <a:ea typeface="微软雅黑" pitchFamily="34" charset="-122"/>
+              </a:rPr>
+              <a:t>页面生命周期</a:t>
+            </a:r>
+            <a:endParaRPr lang="zh-CN" altLang="en-US" dirty="0">
+              <a:latin typeface="微软雅黑" pitchFamily="34" charset="-122"/>
+              <a:ea typeface="微软雅黑" pitchFamily="34" charset="-122"/>
+            </a:endParaRPr>
+          </a:p>
+        </p:txBody>
+      </p:sp>
+      <p:sp>
+        <p:nvSpPr>
+          <p:cNvPr id="33" name="矩形 32"/>
+          <p:cNvSpPr/>
+          <p:nvPr/>
+        </p:nvSpPr>
+        <p:spPr>
+          <a:xfrm>
+            <a:off x="5119175" y="2485761"/>
+            <a:ext cx="1920819" cy="1864310"/>
+          </a:xfrm>
+          <a:prstGeom prst="rect">
+            <a:avLst/>
+          </a:prstGeom>
+          <a:noFill/>
+          <a:ln>
+            <a:solidFill>
+              <a:schemeClr val="bg1">
+                <a:lumMod val="85000"/>
+              </a:schemeClr>
+            </a:solidFill>
+          </a:ln>
+        </p:spPr>
+        <p:style>
+          <a:lnRef idx="2">
+            <a:schemeClr val="accent1">
+              <a:shade val="50000"/>
+            </a:schemeClr>
+          </a:lnRef>
+          <a:fillRef idx="1">
+            <a:schemeClr val="accent1"/>
+          </a:fillRef>
+          <a:effectRef idx="0">
+            <a:schemeClr val="accent1"/>
+          </a:effectRef>
+          <a:fontRef idx="minor">
+            <a:schemeClr val="lt1"/>
+          </a:fontRef>
+        </p:style>
+        <p:txBody>
+          <a:bodyPr rtlCol="0" anchor="ctr"/>
+          <a:lstStyle/>
+          <a:p>
+            <a:pPr algn="ctr"/>
+            <a:endParaRPr lang="zh-CN" altLang="en-US"/>
+          </a:p>
+        </p:txBody>
+      </p:sp>
+      <p:sp>
+        <p:nvSpPr>
+          <p:cNvPr id="34" name="TextBox 33"/>
+          <p:cNvSpPr txBox="1"/>
+          <p:nvPr/>
+        </p:nvSpPr>
+        <p:spPr>
+          <a:xfrm>
+            <a:off x="5494412" y="3231588"/>
+            <a:ext cx="1364161" cy="461665"/>
+          </a:xfrm>
+          <a:prstGeom prst="rect">
+            <a:avLst/>
+          </a:prstGeom>
+          <a:noFill/>
+        </p:spPr>
+        <p:txBody>
+          <a:bodyPr wrap="square" rtlCol="0">
+            <a:spAutoFit/>
+          </a:bodyPr>
+          <a:lstStyle/>
+          <a:p>
+            <a:r>
+              <a:rPr lang="zh-CN" altLang="en-US" sz="1200" dirty="0" smtClean="0">
+                <a:latin typeface="微软雅黑" pitchFamily="34" charset="-122"/>
+                <a:ea typeface="微软雅黑" pitchFamily="34" charset="-122"/>
+              </a:rPr>
+              <a:t>页面停留在缓存</a:t>
+            </a:r>
+            <a:endParaRPr lang="en-US" altLang="zh-CN" sz="1200" dirty="0" smtClean="0">
+              <a:latin typeface="微软雅黑" pitchFamily="34" charset="-122"/>
+              <a:ea typeface="微软雅黑" pitchFamily="34" charset="-122"/>
+            </a:endParaRPr>
+          </a:p>
+          <a:p>
+            <a:r>
+              <a:rPr lang="zh-CN" altLang="en-US" sz="1200" dirty="0" smtClean="0">
+                <a:latin typeface="微软雅黑" pitchFamily="34" charset="-122"/>
+                <a:ea typeface="微软雅黑" pitchFamily="34" charset="-122"/>
+              </a:rPr>
+              <a:t>中时的生命周期</a:t>
+            </a:r>
+            <a:endParaRPr lang="zh-CN" altLang="en-US" sz="1200" dirty="0">
+              <a:latin typeface="微软雅黑" pitchFamily="34" charset="-122"/>
+              <a:ea typeface="微软雅黑" pitchFamily="34" charset="-122"/>
+            </a:endParaRPr>
+          </a:p>
+        </p:txBody>
+      </p:sp>
+      <p:cxnSp>
+        <p:nvCxnSpPr>
+          <p:cNvPr id="43" name="直接箭头连接符 42"/>
+          <p:cNvCxnSpPr>
+            <a:stCxn id="4" idx="2"/>
+            <a:endCxn id="5" idx="0"/>
+          </p:cNvCxnSpPr>
+          <p:nvPr/>
+        </p:nvCxnSpPr>
+        <p:spPr>
+          <a:xfrm>
+            <a:off x="4542679" y="1096916"/>
+            <a:ext cx="1" cy="627690"/>
+          </a:xfrm>
+          <a:prstGeom prst="straightConnector1">
+            <a:avLst/>
+          </a:prstGeom>
+          <a:ln>
+            <a:tailEnd type="arrow"/>
+          </a:ln>
+        </p:spPr>
+        <p:style>
+          <a:lnRef idx="1">
+            <a:schemeClr val="accent1"/>
+          </a:lnRef>
+          <a:fillRef idx="0">
+            <a:schemeClr val="accent1"/>
+          </a:fillRef>
+          <a:effectRef idx="0">
+            <a:schemeClr val="accent1"/>
+          </a:effectRef>
+          <a:fontRef idx="minor">
+            <a:schemeClr val="tx1"/>
+          </a:fontRef>
+        </p:style>
+      </p:cxnSp>
+    </p:spTree>
+    <p:extLst>
+      <p:ext uri="{BB962C8B-B14F-4D97-AF65-F5344CB8AC3E}">
+        <p14:creationId xmlns:p14="http://schemas.microsoft.com/office/powerpoint/2010/main" val="1618909556"/>
+      </p:ext>
+    </p:extLst>
+  </p:cSld>
+  <p:clrMapOvr>
+    <a:masterClrMapping/>
+  </p:clrMapOvr>
 </p:sld>
 </file>
 

--- a/doc/design.pptx
+++ b/doc/design.pptx
@@ -296,7 +296,7 @@
                 </a:solidFill>
               </a:rPr>
               <a:pPr/>
-              <a:t>2013/7/11</a:t>
+              <a:t>2013/7/16</a:t>
             </a:fld>
             <a:endParaRPr lang="zh-CN" altLang="en-US">
               <a:solidFill>
@@ -498,7 +498,7 @@
                 </a:solidFill>
               </a:rPr>
               <a:pPr/>
-              <a:t>2013/7/11</a:t>
+              <a:t>2013/7/16</a:t>
             </a:fld>
             <a:endParaRPr lang="zh-CN" altLang="en-US">
               <a:solidFill>
@@ -710,7 +710,7 @@
                 </a:solidFill>
               </a:rPr>
               <a:pPr/>
-              <a:t>2013/7/11</a:t>
+              <a:t>2013/7/16</a:t>
             </a:fld>
             <a:endParaRPr lang="zh-CN" altLang="en-US">
               <a:solidFill>
@@ -912,7 +912,7 @@
                 </a:solidFill>
               </a:rPr>
               <a:pPr/>
-              <a:t>2013/7/11</a:t>
+              <a:t>2013/7/16</a:t>
             </a:fld>
             <a:endParaRPr lang="zh-CN" altLang="en-US">
               <a:solidFill>
@@ -1190,7 +1190,7 @@
                 </a:solidFill>
               </a:rPr>
               <a:pPr/>
-              <a:t>2013/7/11</a:t>
+              <a:t>2013/7/16</a:t>
             </a:fld>
             <a:endParaRPr lang="zh-CN" altLang="en-US">
               <a:solidFill>
@@ -1510,7 +1510,7 @@
                 </a:solidFill>
               </a:rPr>
               <a:pPr/>
-              <a:t>2013/7/11</a:t>
+              <a:t>2013/7/16</a:t>
             </a:fld>
             <a:endParaRPr lang="zh-CN" altLang="en-US">
               <a:solidFill>
@@ -1964,7 +1964,7 @@
                 </a:solidFill>
               </a:rPr>
               <a:pPr/>
-              <a:t>2013/7/11</a:t>
+              <a:t>2013/7/16</a:t>
             </a:fld>
             <a:endParaRPr lang="zh-CN" altLang="en-US">
               <a:solidFill>
@@ -2114,7 +2114,7 @@
                 </a:solidFill>
               </a:rPr>
               <a:pPr/>
-              <a:t>2013/7/11</a:t>
+              <a:t>2013/7/16</a:t>
             </a:fld>
             <a:endParaRPr lang="zh-CN" altLang="en-US">
               <a:solidFill>
@@ -2241,7 +2241,7 @@
                 </a:solidFill>
               </a:rPr>
               <a:pPr/>
-              <a:t>2013/7/11</a:t>
+              <a:t>2013/7/16</a:t>
             </a:fld>
             <a:endParaRPr lang="zh-CN" altLang="en-US">
               <a:solidFill>
@@ -2550,7 +2550,7 @@
                 </a:solidFill>
               </a:rPr>
               <a:pPr/>
-              <a:t>2013/7/11</a:t>
+              <a:t>2013/7/16</a:t>
             </a:fld>
             <a:endParaRPr lang="zh-CN" altLang="en-US">
               <a:solidFill>
@@ -2835,7 +2835,7 @@
                 </a:solidFill>
               </a:rPr>
               <a:pPr/>
-              <a:t>2013/7/11</a:t>
+              <a:t>2013/7/16</a:t>
             </a:fld>
             <a:endParaRPr lang="zh-CN" altLang="en-US">
               <a:solidFill>
@@ -3081,7 +3081,7 @@
                 </a:solidFill>
               </a:rPr>
               <a:pPr defTabSz="914400"/>
-              <a:t>2013/7/11</a:t>
+              <a:t>2013/7/16</a:t>
             </a:fld>
             <a:endParaRPr lang="zh-CN" altLang="en-US" smtClean="0">
               <a:solidFill>
@@ -3526,7 +3526,7 @@
                   </a:schemeClr>
                 </a:solidFill>
               </a:rPr>
-              <a:t>MessageScrope</a:t>
+              <a:t>MessageScope</a:t>
             </a:r>
             <a:endParaRPr lang="zh-CN" altLang="en-US" sz="1400" dirty="0" smtClean="0">
               <a:solidFill>
@@ -4147,7 +4147,7 @@
           <a:p>
             <a:pPr algn="ctr" defTabSz="914400"/>
             <a:r>
-              <a:rPr lang="en-US" altLang="zh-CN" sz="1400" dirty="0" err="1">
+              <a:rPr lang="en-US" altLang="zh-CN" sz="1400" dirty="0" smtClean="0">
                 <a:solidFill>
                   <a:schemeClr val="tx1">
                     <a:lumMod val="65000"/>
@@ -4155,7 +4155,7 @@
                   </a:schemeClr>
                 </a:solidFill>
               </a:rPr>
-              <a:t>EventSource</a:t>
+              <a:t>Event</a:t>
             </a:r>
             <a:endParaRPr lang="zh-CN" altLang="en-US" sz="1400" dirty="0" smtClean="0">
               <a:solidFill>

--- a/doc/design.pptx
+++ b/doc/design.pptx
@@ -4064,7 +4064,7 @@
         </p:nvSpPr>
         <p:spPr>
           <a:xfrm>
-            <a:off x="769104" y="2167528"/>
+            <a:off x="1205148" y="1473313"/>
             <a:ext cx="1081966" cy="364759"/>
           </a:xfrm>
           <a:prstGeom prst="rect">
@@ -4073,13 +4073,13 @@
         </p:spPr>
         <p:style>
           <a:lnRef idx="1">
-            <a:schemeClr val="accent2"/>
+            <a:schemeClr val="accent4"/>
           </a:lnRef>
           <a:fillRef idx="2">
-            <a:schemeClr val="accent2"/>
+            <a:schemeClr val="accent4"/>
           </a:fillRef>
           <a:effectRef idx="1">
-            <a:schemeClr val="accent2"/>
+            <a:schemeClr val="accent4"/>
           </a:effectRef>
           <a:fontRef idx="minor">
             <a:schemeClr val="dk1"/>
@@ -4615,8 +4615,8 @@
         </p:nvCxnSpPr>
         <p:spPr>
           <a:xfrm rot="5400000" flipH="1" flipV="1">
-            <a:off x="1885751" y="568196"/>
-            <a:ext cx="1023669" cy="2174997"/>
+            <a:off x="2450880" y="439110"/>
+            <a:ext cx="329454" cy="1738953"/>
           </a:xfrm>
           <a:prstGeom prst="bentConnector2">
             <a:avLst/>
@@ -4955,6 +4955,98 @@
           </a:p>
         </p:txBody>
       </p:sp>
+      <p:sp>
+        <p:nvSpPr>
+          <p:cNvPr id="34" name="矩形 33"/>
+          <p:cNvSpPr/>
+          <p:nvPr/>
+        </p:nvSpPr>
+        <p:spPr>
+          <a:xfrm>
+            <a:off x="228122" y="2173323"/>
+            <a:ext cx="1081966" cy="384763"/>
+          </a:xfrm>
+          <a:prstGeom prst="rect">
+            <a:avLst/>
+          </a:prstGeom>
+        </p:spPr>
+        <p:style>
+          <a:lnRef idx="1">
+            <a:schemeClr val="accent4"/>
+          </a:lnRef>
+          <a:fillRef idx="2">
+            <a:schemeClr val="accent4"/>
+          </a:fillRef>
+          <a:effectRef idx="1">
+            <a:schemeClr val="accent4"/>
+          </a:effectRef>
+          <a:fontRef idx="minor">
+            <a:schemeClr val="dk1"/>
+          </a:fontRef>
+        </p:style>
+        <p:txBody>
+          <a:bodyPr rtlCol="0" anchor="ctr"/>
+          <a:lstStyle/>
+          <a:p>
+            <a:pPr algn="ctr" defTabSz="914400"/>
+            <a:r>
+              <a:rPr lang="en-US" altLang="zh-CN" sz="1400" dirty="0" smtClean="0">
+                <a:solidFill>
+                  <a:schemeClr val="tx1">
+                    <a:lumMod val="65000"/>
+                    <a:lumOff val="35000"/>
+                  </a:schemeClr>
+                </a:solidFill>
+              </a:rPr>
+              <a:t>Collection</a:t>
+            </a:r>
+            <a:endParaRPr lang="zh-CN" altLang="en-US" sz="1400" dirty="0" smtClean="0">
+              <a:solidFill>
+                <a:schemeClr val="tx1">
+                  <a:lumMod val="65000"/>
+                  <a:lumOff val="35000"/>
+                </a:schemeClr>
+              </a:solidFill>
+            </a:endParaRPr>
+          </a:p>
+        </p:txBody>
+      </p:sp>
+      <p:cxnSp>
+        <p:nvCxnSpPr>
+          <p:cNvPr id="7" name="肘形连接符 6"/>
+          <p:cNvCxnSpPr>
+            <a:stCxn id="34" idx="0"/>
+            <a:endCxn id="62" idx="1"/>
+          </p:cNvCxnSpPr>
+          <p:nvPr/>
+        </p:nvCxnSpPr>
+        <p:spPr>
+          <a:xfrm rot="5400000" flipH="1" flipV="1">
+            <a:off x="728311" y="1696487"/>
+            <a:ext cx="517630" cy="436043"/>
+          </a:xfrm>
+          <a:prstGeom prst="bentConnector2">
+            <a:avLst/>
+          </a:prstGeom>
+          <a:ln>
+            <a:tailEnd type="arrow"/>
+          </a:ln>
+        </p:spPr>
+        <p:style>
+          <a:lnRef idx="1">
+            <a:schemeClr val="accent1"/>
+          </a:lnRef>
+          <a:fillRef idx="0">
+            <a:schemeClr val="accent1"/>
+          </a:fillRef>
+          <a:effectRef idx="0">
+            <a:schemeClr val="accent1"/>
+          </a:effectRef>
+          <a:fontRef idx="minor">
+            <a:schemeClr val="tx1"/>
+          </a:fontRef>
+        </p:style>
+      </p:cxnSp>
     </p:spTree>
     <p:extLst>
       <p:ext uri="{BB962C8B-B14F-4D97-AF65-F5344CB8AC3E}">
